--- a/markdown/images/model_spec_slide_image.pptx
+++ b/markdown/images/model_spec_slide_image.pptx
@@ -261,7 +261,7 @@
           <a:p>
             <a:fld id="{BE19D885-88B2-4DFB-9D21-B277F0DA6FEE}" type="datetimeFigureOut">
               <a:rPr lang="de-DE" smtClean="0"/>
-              <a:t>25.03.2023</a:t>
+              <a:t>27.03.2023</a:t>
             </a:fld>
             <a:endParaRPr lang="de-DE"/>
           </a:p>
@@ -315,7 +315,7 @@
           <a:p>
             <a:fld id="{563D215D-B2EB-4BEC-AD51-939DEAE1C6DC}" type="slidenum">
               <a:rPr lang="de-DE" smtClean="0"/>
-              <a:t>‹#›</a:t>
+              <a:t>‹Nr.›</a:t>
             </a:fld>
             <a:endParaRPr lang="de-DE"/>
           </a:p>
@@ -461,7 +461,7 @@
           <a:p>
             <a:fld id="{BE19D885-88B2-4DFB-9D21-B277F0DA6FEE}" type="datetimeFigureOut">
               <a:rPr lang="de-DE" smtClean="0"/>
-              <a:t>25.03.2023</a:t>
+              <a:t>27.03.2023</a:t>
             </a:fld>
             <a:endParaRPr lang="de-DE"/>
           </a:p>
@@ -515,7 +515,7 @@
           <a:p>
             <a:fld id="{563D215D-B2EB-4BEC-AD51-939DEAE1C6DC}" type="slidenum">
               <a:rPr lang="de-DE" smtClean="0"/>
-              <a:t>‹#›</a:t>
+              <a:t>‹Nr.›</a:t>
             </a:fld>
             <a:endParaRPr lang="de-DE"/>
           </a:p>
@@ -671,7 +671,7 @@
           <a:p>
             <a:fld id="{BE19D885-88B2-4DFB-9D21-B277F0DA6FEE}" type="datetimeFigureOut">
               <a:rPr lang="de-DE" smtClean="0"/>
-              <a:t>25.03.2023</a:t>
+              <a:t>27.03.2023</a:t>
             </a:fld>
             <a:endParaRPr lang="de-DE"/>
           </a:p>
@@ -725,7 +725,7 @@
           <a:p>
             <a:fld id="{563D215D-B2EB-4BEC-AD51-939DEAE1C6DC}" type="slidenum">
               <a:rPr lang="de-DE" smtClean="0"/>
-              <a:t>‹#›</a:t>
+              <a:t>‹Nr.›</a:t>
             </a:fld>
             <a:endParaRPr lang="de-DE"/>
           </a:p>
@@ -871,7 +871,7 @@
           <a:p>
             <a:fld id="{BE19D885-88B2-4DFB-9D21-B277F0DA6FEE}" type="datetimeFigureOut">
               <a:rPr lang="de-DE" smtClean="0"/>
-              <a:t>25.03.2023</a:t>
+              <a:t>27.03.2023</a:t>
             </a:fld>
             <a:endParaRPr lang="de-DE"/>
           </a:p>
@@ -925,7 +925,7 @@
           <a:p>
             <a:fld id="{563D215D-B2EB-4BEC-AD51-939DEAE1C6DC}" type="slidenum">
               <a:rPr lang="de-DE" smtClean="0"/>
-              <a:t>‹#›</a:t>
+              <a:t>‹Nr.›</a:t>
             </a:fld>
             <a:endParaRPr lang="de-DE"/>
           </a:p>
@@ -1147,7 +1147,7 @@
           <a:p>
             <a:fld id="{BE19D885-88B2-4DFB-9D21-B277F0DA6FEE}" type="datetimeFigureOut">
               <a:rPr lang="de-DE" smtClean="0"/>
-              <a:t>25.03.2023</a:t>
+              <a:t>27.03.2023</a:t>
             </a:fld>
             <a:endParaRPr lang="de-DE"/>
           </a:p>
@@ -1201,7 +1201,7 @@
           <a:p>
             <a:fld id="{563D215D-B2EB-4BEC-AD51-939DEAE1C6DC}" type="slidenum">
               <a:rPr lang="de-DE" smtClean="0"/>
-              <a:t>‹#›</a:t>
+              <a:t>‹Nr.›</a:t>
             </a:fld>
             <a:endParaRPr lang="de-DE"/>
           </a:p>
@@ -1415,7 +1415,7 @@
           <a:p>
             <a:fld id="{BE19D885-88B2-4DFB-9D21-B277F0DA6FEE}" type="datetimeFigureOut">
               <a:rPr lang="de-DE" smtClean="0"/>
-              <a:t>25.03.2023</a:t>
+              <a:t>27.03.2023</a:t>
             </a:fld>
             <a:endParaRPr lang="de-DE"/>
           </a:p>
@@ -1469,7 +1469,7 @@
           <a:p>
             <a:fld id="{563D215D-B2EB-4BEC-AD51-939DEAE1C6DC}" type="slidenum">
               <a:rPr lang="de-DE" smtClean="0"/>
-              <a:t>‹#›</a:t>
+              <a:t>‹Nr.›</a:t>
             </a:fld>
             <a:endParaRPr lang="de-DE"/>
           </a:p>
@@ -1830,7 +1830,7 @@
           <a:p>
             <a:fld id="{BE19D885-88B2-4DFB-9D21-B277F0DA6FEE}" type="datetimeFigureOut">
               <a:rPr lang="de-DE" smtClean="0"/>
-              <a:t>25.03.2023</a:t>
+              <a:t>27.03.2023</a:t>
             </a:fld>
             <a:endParaRPr lang="de-DE"/>
           </a:p>
@@ -1884,7 +1884,7 @@
           <a:p>
             <a:fld id="{563D215D-B2EB-4BEC-AD51-939DEAE1C6DC}" type="slidenum">
               <a:rPr lang="de-DE" smtClean="0"/>
-              <a:t>‹#›</a:t>
+              <a:t>‹Nr.›</a:t>
             </a:fld>
             <a:endParaRPr lang="de-DE"/>
           </a:p>
@@ -1972,7 +1972,7 @@
           <a:p>
             <a:fld id="{BE19D885-88B2-4DFB-9D21-B277F0DA6FEE}" type="datetimeFigureOut">
               <a:rPr lang="de-DE" smtClean="0"/>
-              <a:t>25.03.2023</a:t>
+              <a:t>27.03.2023</a:t>
             </a:fld>
             <a:endParaRPr lang="de-DE"/>
           </a:p>
@@ -2026,7 +2026,7 @@
           <a:p>
             <a:fld id="{563D215D-B2EB-4BEC-AD51-939DEAE1C6DC}" type="slidenum">
               <a:rPr lang="de-DE" smtClean="0"/>
-              <a:t>‹#›</a:t>
+              <a:t>‹Nr.›</a:t>
             </a:fld>
             <a:endParaRPr lang="de-DE"/>
           </a:p>
@@ -2085,7 +2085,7 @@
           <a:p>
             <a:fld id="{BE19D885-88B2-4DFB-9D21-B277F0DA6FEE}" type="datetimeFigureOut">
               <a:rPr lang="de-DE" smtClean="0"/>
-              <a:t>25.03.2023</a:t>
+              <a:t>27.03.2023</a:t>
             </a:fld>
             <a:endParaRPr lang="de-DE"/>
           </a:p>
@@ -2139,7 +2139,7 @@
           <a:p>
             <a:fld id="{563D215D-B2EB-4BEC-AD51-939DEAE1C6DC}" type="slidenum">
               <a:rPr lang="de-DE" smtClean="0"/>
-              <a:t>‹#›</a:t>
+              <a:t>‹Nr.›</a:t>
             </a:fld>
             <a:endParaRPr lang="de-DE"/>
           </a:p>
@@ -2398,7 +2398,7 @@
           <a:p>
             <a:fld id="{BE19D885-88B2-4DFB-9D21-B277F0DA6FEE}" type="datetimeFigureOut">
               <a:rPr lang="de-DE" smtClean="0"/>
-              <a:t>25.03.2023</a:t>
+              <a:t>27.03.2023</a:t>
             </a:fld>
             <a:endParaRPr lang="de-DE"/>
           </a:p>
@@ -2452,7 +2452,7 @@
           <a:p>
             <a:fld id="{563D215D-B2EB-4BEC-AD51-939DEAE1C6DC}" type="slidenum">
               <a:rPr lang="de-DE" smtClean="0"/>
-              <a:t>‹#›</a:t>
+              <a:t>‹Nr.›</a:t>
             </a:fld>
             <a:endParaRPr lang="de-DE"/>
           </a:p>
@@ -2687,7 +2687,7 @@
           <a:p>
             <a:fld id="{BE19D885-88B2-4DFB-9D21-B277F0DA6FEE}" type="datetimeFigureOut">
               <a:rPr lang="de-DE" smtClean="0"/>
-              <a:t>25.03.2023</a:t>
+              <a:t>27.03.2023</a:t>
             </a:fld>
             <a:endParaRPr lang="de-DE"/>
           </a:p>
@@ -2741,7 +2741,7 @@
           <a:p>
             <a:fld id="{563D215D-B2EB-4BEC-AD51-939DEAE1C6DC}" type="slidenum">
               <a:rPr lang="de-DE" smtClean="0"/>
-              <a:t>‹#›</a:t>
+              <a:t>‹Nr.›</a:t>
             </a:fld>
             <a:endParaRPr lang="de-DE"/>
           </a:p>
@@ -2930,7 +2930,7 @@
           <a:p>
             <a:fld id="{BE19D885-88B2-4DFB-9D21-B277F0DA6FEE}" type="datetimeFigureOut">
               <a:rPr lang="de-DE" smtClean="0"/>
-              <a:t>25.03.2023</a:t>
+              <a:t>27.03.2023</a:t>
             </a:fld>
             <a:endParaRPr lang="de-DE"/>
           </a:p>
@@ -3020,7 +3020,7 @@
           <a:p>
             <a:fld id="{563D215D-B2EB-4BEC-AD51-939DEAE1C6DC}" type="slidenum">
               <a:rPr lang="de-DE" smtClean="0"/>
-              <a:t>‹#›</a:t>
+              <a:t>‹Nr.›</a:t>
             </a:fld>
             <a:endParaRPr lang="de-DE"/>
           </a:p>
@@ -3624,7 +3624,7 @@
                             <a:rPr lang="en-US" b="0" i="1" smtClean="0">
                               <a:latin typeface="Cambria Math" panose="02040503050406030204" pitchFamily="18" charset="0"/>
                             </a:rPr>
-                            <m:t>𝑖𝑗𝑘𝑝</m:t>
+                            <m:t>𝑖𝑗𝑘</m:t>
                           </m:r>
                         </m:sub>
                       </m:sSub>
@@ -3686,8 +3686,8 @@
           </p:sp>
         </mc:Fallback>
       </mc:AlternateContent>
-      <mc:AlternateContent xmlns:mc="http://schemas.openxmlformats.org/markup-compatibility/2006">
-        <mc:Choice xmlns:a14="http://schemas.microsoft.com/office/drawing/2010/main" Requires="a14">
+      <mc:AlternateContent xmlns:mc="http://schemas.openxmlformats.org/markup-compatibility/2006" xmlns:a14="http://schemas.microsoft.com/office/drawing/2010/main">
+        <mc:Choice Requires="a14">
           <p:sp>
             <p:nvSpPr>
               <p:cNvPr id="47" name="TextBox 46">
@@ -3749,7 +3749,7 @@
             </p:txBody>
           </p:sp>
         </mc:Choice>
-        <mc:Fallback>
+        <mc:Fallback xmlns="">
           <p:sp>
             <p:nvSpPr>
               <p:cNvPr id="47" name="TextBox 46">
@@ -3794,8 +3794,8 @@
           </p:sp>
         </mc:Fallback>
       </mc:AlternateContent>
-      <mc:AlternateContent xmlns:mc="http://schemas.openxmlformats.org/markup-compatibility/2006">
-        <mc:Choice xmlns:a14="http://schemas.microsoft.com/office/drawing/2010/main" Requires="a14">
+      <mc:AlternateContent xmlns:mc="http://schemas.openxmlformats.org/markup-compatibility/2006" xmlns:a14="http://schemas.microsoft.com/office/drawing/2010/main">
+        <mc:Choice Requires="a14">
           <p:sp>
             <p:nvSpPr>
               <p:cNvPr id="48" name="TextBox 47">
@@ -3876,7 +3876,7 @@
             </p:txBody>
           </p:sp>
         </mc:Choice>
-        <mc:Fallback>
+        <mc:Fallback xmlns="">
           <p:sp>
             <p:nvSpPr>
               <p:cNvPr id="48" name="TextBox 47">
@@ -3921,8 +3921,8 @@
           </p:sp>
         </mc:Fallback>
       </mc:AlternateContent>
-      <mc:AlternateContent xmlns:mc="http://schemas.openxmlformats.org/markup-compatibility/2006">
-        <mc:Choice xmlns:a14="http://schemas.microsoft.com/office/drawing/2010/main" Requires="a14">
+      <mc:AlternateContent xmlns:mc="http://schemas.openxmlformats.org/markup-compatibility/2006" xmlns:a14="http://schemas.microsoft.com/office/drawing/2010/main">
+        <mc:Choice Requires="a14">
           <p:sp>
             <p:nvSpPr>
               <p:cNvPr id="49" name="TextBox 48">
@@ -3981,14 +3981,7 @@
                               <a:latin typeface="Cambria Math" panose="02040503050406030204" pitchFamily="18" charset="0"/>
                               <a:ea typeface="Cambria Math" panose="02040503050406030204" pitchFamily="18" charset="0"/>
                             </a:rPr>
-                            <m:t>𝑣</m:t>
-                          </m:r>
-                          <m:r>
-                            <a:rPr lang="en-US" b="0" i="1" smtClean="0">
-                              <a:latin typeface="Cambria Math" panose="02040503050406030204" pitchFamily="18" charset="0"/>
-                              <a:ea typeface="Cambria Math" panose="02040503050406030204" pitchFamily="18" charset="0"/>
-                            </a:rPr>
-                            <m:t>𝑘</m:t>
+                            <m:t>𝑣𝑘</m:t>
                           </m:r>
                         </m:sub>
                       </m:sSub>
@@ -4000,7 +3993,7 @@
             </p:txBody>
           </p:sp>
         </mc:Choice>
-        <mc:Fallback>
+        <mc:Fallback xmlns="">
           <p:sp>
             <p:nvSpPr>
               <p:cNvPr id="49" name="TextBox 48">
@@ -4045,8 +4038,8 @@
           </p:sp>
         </mc:Fallback>
       </mc:AlternateContent>
-      <mc:AlternateContent xmlns:mc="http://schemas.openxmlformats.org/markup-compatibility/2006">
-        <mc:Choice xmlns:a14="http://schemas.microsoft.com/office/drawing/2010/main" Requires="a14">
+      <mc:AlternateContent xmlns:mc="http://schemas.openxmlformats.org/markup-compatibility/2006" xmlns:a14="http://schemas.microsoft.com/office/drawing/2010/main">
+        <mc:Choice Requires="a14">
           <p:sp>
             <p:nvSpPr>
               <p:cNvPr id="51" name="TextBox 50">
@@ -4124,7 +4117,7 @@
             </p:txBody>
           </p:sp>
         </mc:Choice>
-        <mc:Fallback>
+        <mc:Fallback xmlns="">
           <p:sp>
             <p:nvSpPr>
               <p:cNvPr id="51" name="TextBox 50">
@@ -4169,8 +4162,8 @@
           </p:sp>
         </mc:Fallback>
       </mc:AlternateContent>
-      <mc:AlternateContent xmlns:mc="http://schemas.openxmlformats.org/markup-compatibility/2006">
-        <mc:Choice xmlns:a14="http://schemas.microsoft.com/office/drawing/2010/main" Requires="a14">
+      <mc:AlternateContent xmlns:mc="http://schemas.openxmlformats.org/markup-compatibility/2006" xmlns:a14="http://schemas.microsoft.com/office/drawing/2010/main">
+        <mc:Choice Requires="a14">
           <p:sp>
             <p:nvSpPr>
               <p:cNvPr id="52" name="TextBox 51">
@@ -4269,7 +4262,7 @@
             </p:txBody>
           </p:sp>
         </mc:Choice>
-        <mc:Fallback>
+        <mc:Fallback xmlns="">
           <p:sp>
             <p:nvSpPr>
               <p:cNvPr id="52" name="TextBox 51">
@@ -4314,8 +4307,8 @@
           </p:sp>
         </mc:Fallback>
       </mc:AlternateContent>
-      <mc:AlternateContent xmlns:mc="http://schemas.openxmlformats.org/markup-compatibility/2006">
-        <mc:Choice xmlns:a14="http://schemas.microsoft.com/office/drawing/2010/main" Requires="a14">
+      <mc:AlternateContent xmlns:mc="http://schemas.openxmlformats.org/markup-compatibility/2006" xmlns:a14="http://schemas.microsoft.com/office/drawing/2010/main">
+        <mc:Choice Requires="a14">
           <p:sp>
             <p:nvSpPr>
               <p:cNvPr id="56" name="TextBox 55">
@@ -4375,14 +4368,7 @@
                               <a:latin typeface="Cambria Math" panose="02040503050406030204" pitchFamily="18" charset="0"/>
                               <a:ea typeface="Cambria Math" panose="02040503050406030204" pitchFamily="18" charset="0"/>
                             </a:rPr>
-                            <m:t>𝑣</m:t>
-                          </m:r>
-                          <m:r>
-                            <a:rPr lang="en-US" b="0" i="1" smtClean="0">
-                              <a:latin typeface="Cambria Math" panose="02040503050406030204" pitchFamily="18" charset="0"/>
-                              <a:ea typeface="Cambria Math" panose="02040503050406030204" pitchFamily="18" charset="0"/>
-                            </a:rPr>
-                            <m:t>𝑘</m:t>
+                            <m:t>𝑣𝑘</m:t>
                           </m:r>
                         </m:sub>
                       </m:sSub>
@@ -4394,7 +4380,7 @@
             </p:txBody>
           </p:sp>
         </mc:Choice>
-        <mc:Fallback>
+        <mc:Fallback xmlns="">
           <p:sp>
             <p:nvSpPr>
               <p:cNvPr id="56" name="TextBox 55">
@@ -4439,8 +4425,8 @@
           </p:sp>
         </mc:Fallback>
       </mc:AlternateContent>
-      <mc:AlternateContent xmlns:mc="http://schemas.openxmlformats.org/markup-compatibility/2006">
-        <mc:Choice xmlns:a14="http://schemas.microsoft.com/office/drawing/2010/main" Requires="a14">
+      <mc:AlternateContent xmlns:mc="http://schemas.openxmlformats.org/markup-compatibility/2006" xmlns:a14="http://schemas.microsoft.com/office/drawing/2010/main">
+        <mc:Choice Requires="a14">
           <p:sp>
             <p:nvSpPr>
               <p:cNvPr id="57" name="TextBox 56">
@@ -4519,7 +4505,7 @@
             </p:txBody>
           </p:sp>
         </mc:Choice>
-        <mc:Fallback>
+        <mc:Fallback xmlns="">
           <p:sp>
             <p:nvSpPr>
               <p:cNvPr id="57" name="TextBox 56">
@@ -4564,8 +4550,8 @@
           </p:sp>
         </mc:Fallback>
       </mc:AlternateContent>
-      <mc:AlternateContent xmlns:mc="http://schemas.openxmlformats.org/markup-compatibility/2006">
-        <mc:Choice xmlns:a14="http://schemas.microsoft.com/office/drawing/2010/main" Requires="a14">
+      <mc:AlternateContent xmlns:mc="http://schemas.openxmlformats.org/markup-compatibility/2006" xmlns:a14="http://schemas.microsoft.com/office/drawing/2010/main">
+        <mc:Choice Requires="a14">
           <p:sp>
             <p:nvSpPr>
               <p:cNvPr id="58" name="TextBox 57">
@@ -4665,7 +4651,7 @@
             </p:txBody>
           </p:sp>
         </mc:Choice>
-        <mc:Fallback>
+        <mc:Fallback xmlns="">
           <p:sp>
             <p:nvSpPr>
               <p:cNvPr id="58" name="TextBox 57">
@@ -4710,8 +4696,8 @@
           </p:sp>
         </mc:Fallback>
       </mc:AlternateContent>
-      <mc:AlternateContent xmlns:mc="http://schemas.openxmlformats.org/markup-compatibility/2006">
-        <mc:Choice xmlns:a14="http://schemas.microsoft.com/office/drawing/2010/main" Requires="a14">
+      <mc:AlternateContent xmlns:mc="http://schemas.openxmlformats.org/markup-compatibility/2006" xmlns:a14="http://schemas.microsoft.com/office/drawing/2010/main">
+        <mc:Choice Requires="a14">
           <p:sp>
             <p:nvSpPr>
               <p:cNvPr id="61" name="TextBox 60">
@@ -4805,7 +4791,7 @@
             </p:txBody>
           </p:sp>
         </mc:Choice>
-        <mc:Fallback>
+        <mc:Fallback xmlns="">
           <p:sp>
             <p:nvSpPr>
               <p:cNvPr id="61" name="TextBox 60">
@@ -4850,8 +4836,8 @@
           </p:sp>
         </mc:Fallback>
       </mc:AlternateContent>
-      <mc:AlternateContent xmlns:mc="http://schemas.openxmlformats.org/markup-compatibility/2006">
-        <mc:Choice xmlns:a14="http://schemas.microsoft.com/office/drawing/2010/main" Requires="a14">
+      <mc:AlternateContent xmlns:mc="http://schemas.openxmlformats.org/markup-compatibility/2006" xmlns:a14="http://schemas.microsoft.com/office/drawing/2010/main">
+        <mc:Choice Requires="a14">
           <p:sp>
             <p:nvSpPr>
               <p:cNvPr id="62" name="TextBox 61">
@@ -4928,7 +4914,7 @@
             </p:txBody>
           </p:sp>
         </mc:Choice>
-        <mc:Fallback>
+        <mc:Fallback xmlns="">
           <p:sp>
             <p:nvSpPr>
               <p:cNvPr id="62" name="TextBox 61">
@@ -4973,8 +4959,8 @@
           </p:sp>
         </mc:Fallback>
       </mc:AlternateContent>
-      <mc:AlternateContent xmlns:mc="http://schemas.openxmlformats.org/markup-compatibility/2006">
-        <mc:Choice xmlns:a14="http://schemas.microsoft.com/office/drawing/2010/main" Requires="a14">
+      <mc:AlternateContent xmlns:mc="http://schemas.openxmlformats.org/markup-compatibility/2006" xmlns:a14="http://schemas.microsoft.com/office/drawing/2010/main">
+        <mc:Choice Requires="a14">
           <p:sp>
             <p:nvSpPr>
               <p:cNvPr id="63" name="TextBox 62">
@@ -5050,7 +5036,7 @@
             </p:txBody>
           </p:sp>
         </mc:Choice>
-        <mc:Fallback>
+        <mc:Fallback xmlns="">
           <p:sp>
             <p:nvSpPr>
               <p:cNvPr id="63" name="TextBox 62">
@@ -5283,8 +5269,8 @@
           </a:p>
         </p:txBody>
       </p:sp>
-      <mc:AlternateContent xmlns:mc="http://schemas.openxmlformats.org/markup-compatibility/2006">
-        <mc:Choice xmlns:a14="http://schemas.microsoft.com/office/drawing/2010/main" Requires="a14">
+      <mc:AlternateContent xmlns:mc="http://schemas.openxmlformats.org/markup-compatibility/2006" xmlns:a14="http://schemas.microsoft.com/office/drawing/2010/main">
+        <mc:Choice Requires="a14">
           <p:sp>
             <p:nvSpPr>
               <p:cNvPr id="3" name="TextBox 2">
@@ -5368,7 +5354,7 @@
             </p:txBody>
           </p:sp>
         </mc:Choice>
-        <mc:Fallback>
+        <mc:Fallback xmlns="">
           <p:sp>
             <p:nvSpPr>
               <p:cNvPr id="3" name="TextBox 2">
@@ -5413,8 +5399,8 @@
           </p:sp>
         </mc:Fallback>
       </mc:AlternateContent>
-      <mc:AlternateContent xmlns:mc="http://schemas.openxmlformats.org/markup-compatibility/2006">
-        <mc:Choice xmlns:a14="http://schemas.microsoft.com/office/drawing/2010/main" Requires="a14">
+      <mc:AlternateContent xmlns:mc="http://schemas.openxmlformats.org/markup-compatibility/2006" xmlns:a14="http://schemas.microsoft.com/office/drawing/2010/main">
+        <mc:Choice Requires="a14">
           <p:sp>
             <p:nvSpPr>
               <p:cNvPr id="7" name="TextBox 6">
@@ -5471,13 +5457,7 @@
                             <a:rPr lang="en-US" b="0" i="1" smtClean="0">
                               <a:latin typeface="Cambria Math" panose="02040503050406030204" pitchFamily="18" charset="0"/>
                             </a:rPr>
-                            <m:t>𝑗</m:t>
-                          </m:r>
-                          <m:r>
-                            <a:rPr lang="en-US" b="0" i="1" smtClean="0">
-                              <a:latin typeface="Cambria Math" panose="02040503050406030204" pitchFamily="18" charset="0"/>
-                            </a:rPr>
-                            <m:t>𝑘</m:t>
+                            <m:t>𝑗𝑘</m:t>
                           </m:r>
                         </m:sub>
                       </m:sSub>
@@ -5489,7 +5469,7 @@
             </p:txBody>
           </p:sp>
         </mc:Choice>
-        <mc:Fallback>
+        <mc:Fallback xmlns="">
           <p:sp>
             <p:nvSpPr>
               <p:cNvPr id="7" name="TextBox 6">
@@ -5534,8 +5514,8 @@
           </p:sp>
         </mc:Fallback>
       </mc:AlternateContent>
-      <mc:AlternateContent xmlns:mc="http://schemas.openxmlformats.org/markup-compatibility/2006">
-        <mc:Choice xmlns:a14="http://schemas.microsoft.com/office/drawing/2010/main" Requires="a14">
+      <mc:AlternateContent xmlns:mc="http://schemas.openxmlformats.org/markup-compatibility/2006" xmlns:a14="http://schemas.microsoft.com/office/drawing/2010/main">
+        <mc:Choice Requires="a14">
           <p:sp>
             <p:nvSpPr>
               <p:cNvPr id="14" name="TextBox 13">
@@ -5594,14 +5574,7 @@
                               <a:latin typeface="Cambria Math" panose="02040503050406030204" pitchFamily="18" charset="0"/>
                               <a:ea typeface="Cambria Math" panose="02040503050406030204" pitchFamily="18" charset="0"/>
                             </a:rPr>
-                            <m:t>𝑧</m:t>
-                          </m:r>
-                          <m:r>
-                            <a:rPr lang="en-US" b="0" i="1" smtClean="0">
-                              <a:latin typeface="Cambria Math" panose="02040503050406030204" pitchFamily="18" charset="0"/>
-                              <a:ea typeface="Cambria Math" panose="02040503050406030204" pitchFamily="18" charset="0"/>
-                            </a:rPr>
-                            <m:t>𝑘</m:t>
+                            <m:t>𝑧𝑘</m:t>
                           </m:r>
                         </m:sub>
                       </m:sSub>
@@ -5613,7 +5586,7 @@
             </p:txBody>
           </p:sp>
         </mc:Choice>
-        <mc:Fallback>
+        <mc:Fallback xmlns="">
           <p:sp>
             <p:nvSpPr>
               <p:cNvPr id="14" name="TextBox 13">
@@ -5658,8 +5631,8 @@
           </p:sp>
         </mc:Fallback>
       </mc:AlternateContent>
-      <mc:AlternateContent xmlns:mc="http://schemas.openxmlformats.org/markup-compatibility/2006">
-        <mc:Choice xmlns:a14="http://schemas.microsoft.com/office/drawing/2010/main" Requires="a14">
+      <mc:AlternateContent xmlns:mc="http://schemas.openxmlformats.org/markup-compatibility/2006" xmlns:a14="http://schemas.microsoft.com/office/drawing/2010/main">
+        <mc:Choice Requires="a14">
           <p:sp>
             <p:nvSpPr>
               <p:cNvPr id="15" name="TextBox 14">
@@ -5719,14 +5692,7 @@
                               <a:latin typeface="Cambria Math" panose="02040503050406030204" pitchFamily="18" charset="0"/>
                               <a:ea typeface="Cambria Math" panose="02040503050406030204" pitchFamily="18" charset="0"/>
                             </a:rPr>
-                            <m:t>𝑧</m:t>
-                          </m:r>
-                          <m:r>
-                            <a:rPr lang="en-US" b="0" i="1" smtClean="0">
-                              <a:latin typeface="Cambria Math" panose="02040503050406030204" pitchFamily="18" charset="0"/>
-                              <a:ea typeface="Cambria Math" panose="02040503050406030204" pitchFamily="18" charset="0"/>
-                            </a:rPr>
-                            <m:t>𝑘</m:t>
+                            <m:t>𝑧𝑘</m:t>
                           </m:r>
                         </m:sub>
                       </m:sSub>
@@ -5738,7 +5704,7 @@
             </p:txBody>
           </p:sp>
         </mc:Choice>
-        <mc:Fallback>
+        <mc:Fallback xmlns="">
           <p:sp>
             <p:nvSpPr>
               <p:cNvPr id="15" name="TextBox 14">
